--- a/CSI3002 Applied Cryptography and Network Security/reference materials/22_1_Message Authentication.pptx
+++ b/CSI3002 Applied Cryptography and Network Security/reference materials/22_1_Message Authentication.pptx
@@ -217,7 +217,7 @@
           <a:p>
             <a:fld id="{37798139-09CA-48CB-8CDA-035F58EA1E08}" type="datetimeFigureOut">
               <a:rPr lang="en-IN" smtClean="0"/>
-              <a:t>11-12-2021</a:t>
+              <a:t>02/05/22</a:t>
             </a:fld>
             <a:endParaRPr lang="en-IN"/>
           </a:p>
@@ -281,35 +281,35 @@
           <a:p>
             <a:pPr lvl="0"/>
             <a:r>
-              <a:rPr lang="en-US" smtClean="0"/>
+              <a:rPr lang="en-US"/>
               <a:t>Click to edit Master text styles</a:t>
             </a:r>
           </a:p>
           <a:p>
             <a:pPr lvl="1"/>
             <a:r>
-              <a:rPr lang="en-US" smtClean="0"/>
+              <a:rPr lang="en-US"/>
               <a:t>Second level</a:t>
             </a:r>
           </a:p>
           <a:p>
             <a:pPr lvl="2"/>
             <a:r>
-              <a:rPr lang="en-US" smtClean="0"/>
+              <a:rPr lang="en-US"/>
               <a:t>Third level</a:t>
             </a:r>
           </a:p>
           <a:p>
             <a:pPr lvl="3"/>
             <a:r>
-              <a:rPr lang="en-US" smtClean="0"/>
+              <a:rPr lang="en-US"/>
               <a:t>Fourth level</a:t>
             </a:r>
           </a:p>
           <a:p>
             <a:pPr lvl="4"/>
             <a:r>
-              <a:rPr lang="en-US" smtClean="0"/>
+              <a:rPr lang="en-US"/>
               <a:t>Fifth level</a:t>
             </a:r>
             <a:endParaRPr lang="en-IN"/>
@@ -711,7 +711,7 @@
           <a:lstStyle/>
           <a:p>
             <a:pPr eaLnBrk="1" hangingPunct="1"/>
-            <a:endParaRPr lang="en-US" altLang="en-US" smtClean="0">
+            <a:endParaRPr lang="en-US" altLang="en-US">
               <a:latin typeface="Calibri" panose="020F0502020204030204" pitchFamily="34" charset="0"/>
             </a:endParaRPr>
           </a:p>
@@ -772,7 +772,7 @@
           </a:lstStyle>
           <a:p>
             <a:r>
-              <a:rPr lang="en-US" smtClean="0"/>
+              <a:rPr lang="en-US"/>
               <a:t>Click to edit Master title style</a:t>
             </a:r>
             <a:endParaRPr lang="en-IN"/>
@@ -837,7 +837,7 @@
           </a:lstStyle>
           <a:p>
             <a:r>
-              <a:rPr lang="en-US" smtClean="0"/>
+              <a:rPr lang="en-US"/>
               <a:t>Click to edit Master subtitle style</a:t>
             </a:r>
             <a:endParaRPr lang="en-IN"/>
@@ -861,7 +861,7 @@
           <a:p>
             <a:fld id="{797F2463-A982-4AB9-994A-DD70319C6C4E}" type="datetimeFigureOut">
               <a:rPr lang="en-IN" smtClean="0"/>
-              <a:t>11-12-2021</a:t>
+              <a:t>02/05/22</a:t>
             </a:fld>
             <a:endParaRPr lang="en-IN"/>
           </a:p>
@@ -955,7 +955,7 @@
           <a:lstStyle/>
           <a:p>
             <a:r>
-              <a:rPr lang="en-US" smtClean="0"/>
+              <a:rPr lang="en-US"/>
               <a:t>Click to edit Master title style</a:t>
             </a:r>
             <a:endParaRPr lang="en-IN"/>
@@ -979,35 +979,35 @@
           <a:p>
             <a:pPr lvl="0"/>
             <a:r>
-              <a:rPr lang="en-US" smtClean="0"/>
+              <a:rPr lang="en-US"/>
               <a:t>Click to edit Master text styles</a:t>
             </a:r>
           </a:p>
           <a:p>
             <a:pPr lvl="1"/>
             <a:r>
-              <a:rPr lang="en-US" smtClean="0"/>
+              <a:rPr lang="en-US"/>
               <a:t>Second level</a:t>
             </a:r>
           </a:p>
           <a:p>
             <a:pPr lvl="2"/>
             <a:r>
-              <a:rPr lang="en-US" smtClean="0"/>
+              <a:rPr lang="en-US"/>
               <a:t>Third level</a:t>
             </a:r>
           </a:p>
           <a:p>
             <a:pPr lvl="3"/>
             <a:r>
-              <a:rPr lang="en-US" smtClean="0"/>
+              <a:rPr lang="en-US"/>
               <a:t>Fourth level</a:t>
             </a:r>
           </a:p>
           <a:p>
             <a:pPr lvl="4"/>
             <a:r>
-              <a:rPr lang="en-US" smtClean="0"/>
+              <a:rPr lang="en-US"/>
               <a:t>Fifth level</a:t>
             </a:r>
             <a:endParaRPr lang="en-IN"/>
@@ -1031,7 +1031,7 @@
           <a:p>
             <a:fld id="{797F2463-A982-4AB9-994A-DD70319C6C4E}" type="datetimeFigureOut">
               <a:rPr lang="en-IN" smtClean="0"/>
-              <a:t>11-12-2021</a:t>
+              <a:t>02/05/22</a:t>
             </a:fld>
             <a:endParaRPr lang="en-IN"/>
           </a:p>
@@ -1130,7 +1130,7 @@
           <a:lstStyle/>
           <a:p>
             <a:r>
-              <a:rPr lang="en-US" smtClean="0"/>
+              <a:rPr lang="en-US"/>
               <a:t>Click to edit Master title style</a:t>
             </a:r>
             <a:endParaRPr lang="en-IN"/>
@@ -1159,35 +1159,35 @@
           <a:p>
             <a:pPr lvl="0"/>
             <a:r>
-              <a:rPr lang="en-US" smtClean="0"/>
+              <a:rPr lang="en-US"/>
               <a:t>Click to edit Master text styles</a:t>
             </a:r>
           </a:p>
           <a:p>
             <a:pPr lvl="1"/>
             <a:r>
-              <a:rPr lang="en-US" smtClean="0"/>
+              <a:rPr lang="en-US"/>
               <a:t>Second level</a:t>
             </a:r>
           </a:p>
           <a:p>
             <a:pPr lvl="2"/>
             <a:r>
-              <a:rPr lang="en-US" smtClean="0"/>
+              <a:rPr lang="en-US"/>
               <a:t>Third level</a:t>
             </a:r>
           </a:p>
           <a:p>
             <a:pPr lvl="3"/>
             <a:r>
-              <a:rPr lang="en-US" smtClean="0"/>
+              <a:rPr lang="en-US"/>
               <a:t>Fourth level</a:t>
             </a:r>
           </a:p>
           <a:p>
             <a:pPr lvl="4"/>
             <a:r>
-              <a:rPr lang="en-US" smtClean="0"/>
+              <a:rPr lang="en-US"/>
               <a:t>Fifth level</a:t>
             </a:r>
             <a:endParaRPr lang="en-IN"/>
@@ -1211,7 +1211,7 @@
           <a:p>
             <a:fld id="{797F2463-A982-4AB9-994A-DD70319C6C4E}" type="datetimeFigureOut">
               <a:rPr lang="en-IN" smtClean="0"/>
-              <a:t>11-12-2021</a:t>
+              <a:t>02/05/22</a:t>
             </a:fld>
             <a:endParaRPr lang="en-IN"/>
           </a:p>
@@ -1305,7 +1305,7 @@
           <a:lstStyle/>
           <a:p>
             <a:r>
-              <a:rPr lang="en-US" smtClean="0"/>
+              <a:rPr lang="en-US"/>
               <a:t>Click to edit Master title style</a:t>
             </a:r>
             <a:endParaRPr lang="en-IN"/>
@@ -1329,35 +1329,35 @@
           <a:p>
             <a:pPr lvl="0"/>
             <a:r>
-              <a:rPr lang="en-US" smtClean="0"/>
+              <a:rPr lang="en-US"/>
               <a:t>Click to edit Master text styles</a:t>
             </a:r>
           </a:p>
           <a:p>
             <a:pPr lvl="1"/>
             <a:r>
-              <a:rPr lang="en-US" smtClean="0"/>
+              <a:rPr lang="en-US"/>
               <a:t>Second level</a:t>
             </a:r>
           </a:p>
           <a:p>
             <a:pPr lvl="2"/>
             <a:r>
-              <a:rPr lang="en-US" smtClean="0"/>
+              <a:rPr lang="en-US"/>
               <a:t>Third level</a:t>
             </a:r>
           </a:p>
           <a:p>
             <a:pPr lvl="3"/>
             <a:r>
-              <a:rPr lang="en-US" smtClean="0"/>
+              <a:rPr lang="en-US"/>
               <a:t>Fourth level</a:t>
             </a:r>
           </a:p>
           <a:p>
             <a:pPr lvl="4"/>
             <a:r>
-              <a:rPr lang="en-US" smtClean="0"/>
+              <a:rPr lang="en-US"/>
               <a:t>Fifth level</a:t>
             </a:r>
             <a:endParaRPr lang="en-IN"/>
@@ -1381,7 +1381,7 @@
           <a:p>
             <a:fld id="{797F2463-A982-4AB9-994A-DD70319C6C4E}" type="datetimeFigureOut">
               <a:rPr lang="en-IN" smtClean="0"/>
-              <a:t>11-12-2021</a:t>
+              <a:t>02/05/22</a:t>
             </a:fld>
             <a:endParaRPr lang="en-IN"/>
           </a:p>
@@ -1484,7 +1484,7 @@
           </a:lstStyle>
           <a:p>
             <a:r>
-              <a:rPr lang="en-US" smtClean="0"/>
+              <a:rPr lang="en-US"/>
               <a:t>Click to edit Master title style</a:t>
             </a:r>
             <a:endParaRPr lang="en-IN"/>
@@ -1604,7 +1604,7 @@
           <a:p>
             <a:pPr lvl="0"/>
             <a:r>
-              <a:rPr lang="en-US" smtClean="0"/>
+              <a:rPr lang="en-US"/>
               <a:t>Click to edit Master text styles</a:t>
             </a:r>
           </a:p>
@@ -1627,7 +1627,7 @@
           <a:p>
             <a:fld id="{797F2463-A982-4AB9-994A-DD70319C6C4E}" type="datetimeFigureOut">
               <a:rPr lang="en-IN" smtClean="0"/>
-              <a:t>11-12-2021</a:t>
+              <a:t>02/05/22</a:t>
             </a:fld>
             <a:endParaRPr lang="en-IN"/>
           </a:p>
@@ -1721,7 +1721,7 @@
           <a:lstStyle/>
           <a:p>
             <a:r>
-              <a:rPr lang="en-US" smtClean="0"/>
+              <a:rPr lang="en-US"/>
               <a:t>Click to edit Master title style</a:t>
             </a:r>
             <a:endParaRPr lang="en-IN"/>
@@ -1750,35 +1750,35 @@
           <a:p>
             <a:pPr lvl="0"/>
             <a:r>
-              <a:rPr lang="en-US" smtClean="0"/>
+              <a:rPr lang="en-US"/>
               <a:t>Click to edit Master text styles</a:t>
             </a:r>
           </a:p>
           <a:p>
             <a:pPr lvl="1"/>
             <a:r>
-              <a:rPr lang="en-US" smtClean="0"/>
+              <a:rPr lang="en-US"/>
               <a:t>Second level</a:t>
             </a:r>
           </a:p>
           <a:p>
             <a:pPr lvl="2"/>
             <a:r>
-              <a:rPr lang="en-US" smtClean="0"/>
+              <a:rPr lang="en-US"/>
               <a:t>Third level</a:t>
             </a:r>
           </a:p>
           <a:p>
             <a:pPr lvl="3"/>
             <a:r>
-              <a:rPr lang="en-US" smtClean="0"/>
+              <a:rPr lang="en-US"/>
               <a:t>Fourth level</a:t>
             </a:r>
           </a:p>
           <a:p>
             <a:pPr lvl="4"/>
             <a:r>
-              <a:rPr lang="en-US" smtClean="0"/>
+              <a:rPr lang="en-US"/>
               <a:t>Fifth level</a:t>
             </a:r>
             <a:endParaRPr lang="en-IN"/>
@@ -1807,35 +1807,35 @@
           <a:p>
             <a:pPr lvl="0"/>
             <a:r>
-              <a:rPr lang="en-US" smtClean="0"/>
+              <a:rPr lang="en-US"/>
               <a:t>Click to edit Master text styles</a:t>
             </a:r>
           </a:p>
           <a:p>
             <a:pPr lvl="1"/>
             <a:r>
-              <a:rPr lang="en-US" smtClean="0"/>
+              <a:rPr lang="en-US"/>
               <a:t>Second level</a:t>
             </a:r>
           </a:p>
           <a:p>
             <a:pPr lvl="2"/>
             <a:r>
-              <a:rPr lang="en-US" smtClean="0"/>
+              <a:rPr lang="en-US"/>
               <a:t>Third level</a:t>
             </a:r>
           </a:p>
           <a:p>
             <a:pPr lvl="3"/>
             <a:r>
-              <a:rPr lang="en-US" smtClean="0"/>
+              <a:rPr lang="en-US"/>
               <a:t>Fourth level</a:t>
             </a:r>
           </a:p>
           <a:p>
             <a:pPr lvl="4"/>
             <a:r>
-              <a:rPr lang="en-US" smtClean="0"/>
+              <a:rPr lang="en-US"/>
               <a:t>Fifth level</a:t>
             </a:r>
             <a:endParaRPr lang="en-IN"/>
@@ -1859,7 +1859,7 @@
           <a:p>
             <a:fld id="{797F2463-A982-4AB9-994A-DD70319C6C4E}" type="datetimeFigureOut">
               <a:rPr lang="en-IN" smtClean="0"/>
-              <a:t>11-12-2021</a:t>
+              <a:t>02/05/22</a:t>
             </a:fld>
             <a:endParaRPr lang="en-IN"/>
           </a:p>
@@ -1958,7 +1958,7 @@
           <a:lstStyle/>
           <a:p>
             <a:r>
-              <a:rPr lang="en-US" smtClean="0"/>
+              <a:rPr lang="en-US"/>
               <a:t>Click to edit Master title style</a:t>
             </a:r>
             <a:endParaRPr lang="en-IN"/>
@@ -2024,7 +2024,7 @@
           <a:p>
             <a:pPr lvl="0"/>
             <a:r>
-              <a:rPr lang="en-US" smtClean="0"/>
+              <a:rPr lang="en-US"/>
               <a:t>Click to edit Master text styles</a:t>
             </a:r>
           </a:p>
@@ -2052,35 +2052,35 @@
           <a:p>
             <a:pPr lvl="0"/>
             <a:r>
-              <a:rPr lang="en-US" smtClean="0"/>
+              <a:rPr lang="en-US"/>
               <a:t>Click to edit Master text styles</a:t>
             </a:r>
           </a:p>
           <a:p>
             <a:pPr lvl="1"/>
             <a:r>
-              <a:rPr lang="en-US" smtClean="0"/>
+              <a:rPr lang="en-US"/>
               <a:t>Second level</a:t>
             </a:r>
           </a:p>
           <a:p>
             <a:pPr lvl="2"/>
             <a:r>
-              <a:rPr lang="en-US" smtClean="0"/>
+              <a:rPr lang="en-US"/>
               <a:t>Third level</a:t>
             </a:r>
           </a:p>
           <a:p>
             <a:pPr lvl="3"/>
             <a:r>
-              <a:rPr lang="en-US" smtClean="0"/>
+              <a:rPr lang="en-US"/>
               <a:t>Fourth level</a:t>
             </a:r>
           </a:p>
           <a:p>
             <a:pPr lvl="4"/>
             <a:r>
-              <a:rPr lang="en-US" smtClean="0"/>
+              <a:rPr lang="en-US"/>
               <a:t>Fifth level</a:t>
             </a:r>
             <a:endParaRPr lang="en-IN"/>
@@ -2146,7 +2146,7 @@
           <a:p>
             <a:pPr lvl="0"/>
             <a:r>
-              <a:rPr lang="en-US" smtClean="0"/>
+              <a:rPr lang="en-US"/>
               <a:t>Click to edit Master text styles</a:t>
             </a:r>
           </a:p>
@@ -2174,35 +2174,35 @@
           <a:p>
             <a:pPr lvl="0"/>
             <a:r>
-              <a:rPr lang="en-US" smtClean="0"/>
+              <a:rPr lang="en-US"/>
               <a:t>Click to edit Master text styles</a:t>
             </a:r>
           </a:p>
           <a:p>
             <a:pPr lvl="1"/>
             <a:r>
-              <a:rPr lang="en-US" smtClean="0"/>
+              <a:rPr lang="en-US"/>
               <a:t>Second level</a:t>
             </a:r>
           </a:p>
           <a:p>
             <a:pPr lvl="2"/>
             <a:r>
-              <a:rPr lang="en-US" smtClean="0"/>
+              <a:rPr lang="en-US"/>
               <a:t>Third level</a:t>
             </a:r>
           </a:p>
           <a:p>
             <a:pPr lvl="3"/>
             <a:r>
-              <a:rPr lang="en-US" smtClean="0"/>
+              <a:rPr lang="en-US"/>
               <a:t>Fourth level</a:t>
             </a:r>
           </a:p>
           <a:p>
             <a:pPr lvl="4"/>
             <a:r>
-              <a:rPr lang="en-US" smtClean="0"/>
+              <a:rPr lang="en-US"/>
               <a:t>Fifth level</a:t>
             </a:r>
             <a:endParaRPr lang="en-IN"/>
@@ -2226,7 +2226,7 @@
           <a:p>
             <a:fld id="{797F2463-A982-4AB9-994A-DD70319C6C4E}" type="datetimeFigureOut">
               <a:rPr lang="en-IN" smtClean="0"/>
-              <a:t>11-12-2021</a:t>
+              <a:t>02/05/22</a:t>
             </a:fld>
             <a:endParaRPr lang="en-IN"/>
           </a:p>
@@ -2320,7 +2320,7 @@
           <a:lstStyle/>
           <a:p>
             <a:r>
-              <a:rPr lang="en-US" smtClean="0"/>
+              <a:rPr lang="en-US"/>
               <a:t>Click to edit Master title style</a:t>
             </a:r>
             <a:endParaRPr lang="en-IN"/>
@@ -2344,7 +2344,7 @@
           <a:p>
             <a:fld id="{797F2463-A982-4AB9-994A-DD70319C6C4E}" type="datetimeFigureOut">
               <a:rPr lang="en-IN" smtClean="0"/>
-              <a:t>11-12-2021</a:t>
+              <a:t>02/05/22</a:t>
             </a:fld>
             <a:endParaRPr lang="en-IN"/>
           </a:p>
@@ -2439,7 +2439,7 @@
           <a:p>
             <a:fld id="{797F2463-A982-4AB9-994A-DD70319C6C4E}" type="datetimeFigureOut">
               <a:rPr lang="en-IN" smtClean="0"/>
-              <a:t>11-12-2021</a:t>
+              <a:t>02/05/22</a:t>
             </a:fld>
             <a:endParaRPr lang="en-IN"/>
           </a:p>
@@ -2542,7 +2542,7 @@
           </a:lstStyle>
           <a:p>
             <a:r>
-              <a:rPr lang="en-US" smtClean="0"/>
+              <a:rPr lang="en-US"/>
               <a:t>Click to edit Master title style</a:t>
             </a:r>
             <a:endParaRPr lang="en-IN"/>
@@ -2599,35 +2599,35 @@
           <a:p>
             <a:pPr lvl="0"/>
             <a:r>
-              <a:rPr lang="en-US" smtClean="0"/>
+              <a:rPr lang="en-US"/>
               <a:t>Click to edit Master text styles</a:t>
             </a:r>
           </a:p>
           <a:p>
             <a:pPr lvl="1"/>
             <a:r>
-              <a:rPr lang="en-US" smtClean="0"/>
+              <a:rPr lang="en-US"/>
               <a:t>Second level</a:t>
             </a:r>
           </a:p>
           <a:p>
             <a:pPr lvl="2"/>
             <a:r>
-              <a:rPr lang="en-US" smtClean="0"/>
+              <a:rPr lang="en-US"/>
               <a:t>Third level</a:t>
             </a:r>
           </a:p>
           <a:p>
             <a:pPr lvl="3"/>
             <a:r>
-              <a:rPr lang="en-US" smtClean="0"/>
+              <a:rPr lang="en-US"/>
               <a:t>Fourth level</a:t>
             </a:r>
           </a:p>
           <a:p>
             <a:pPr lvl="4"/>
             <a:r>
-              <a:rPr lang="en-US" smtClean="0"/>
+              <a:rPr lang="en-US"/>
               <a:t>Fifth level</a:t>
             </a:r>
             <a:endParaRPr lang="en-IN"/>
@@ -2693,7 +2693,7 @@
           <a:p>
             <a:pPr lvl="0"/>
             <a:r>
-              <a:rPr lang="en-US" smtClean="0"/>
+              <a:rPr lang="en-US"/>
               <a:t>Click to edit Master text styles</a:t>
             </a:r>
           </a:p>
@@ -2716,7 +2716,7 @@
           <a:p>
             <a:fld id="{797F2463-A982-4AB9-994A-DD70319C6C4E}" type="datetimeFigureOut">
               <a:rPr lang="en-IN" smtClean="0"/>
-              <a:t>11-12-2021</a:t>
+              <a:t>02/05/22</a:t>
             </a:fld>
             <a:endParaRPr lang="en-IN"/>
           </a:p>
@@ -2819,7 +2819,7 @@
           </a:lstStyle>
           <a:p>
             <a:r>
-              <a:rPr lang="en-US" smtClean="0"/>
+              <a:rPr lang="en-US"/>
               <a:t>Click to edit Master title style</a:t>
             </a:r>
             <a:endParaRPr lang="en-IN"/>
@@ -2946,7 +2946,7 @@
           <a:p>
             <a:pPr lvl="0"/>
             <a:r>
-              <a:rPr lang="en-US" smtClean="0"/>
+              <a:rPr lang="en-US"/>
               <a:t>Click to edit Master text styles</a:t>
             </a:r>
           </a:p>
@@ -2969,7 +2969,7 @@
           <a:p>
             <a:fld id="{797F2463-A982-4AB9-994A-DD70319C6C4E}" type="datetimeFigureOut">
               <a:rPr lang="en-IN" smtClean="0"/>
-              <a:t>11-12-2021</a:t>
+              <a:t>02/05/22</a:t>
             </a:fld>
             <a:endParaRPr lang="en-IN"/>
           </a:p>
@@ -3078,7 +3078,7 @@
           <a:lstStyle/>
           <a:p>
             <a:r>
-              <a:rPr lang="en-US" smtClean="0"/>
+              <a:rPr lang="en-US"/>
               <a:t>Click to edit Master title style</a:t>
             </a:r>
             <a:endParaRPr lang="en-IN"/>
@@ -3112,35 +3112,35 @@
           <a:p>
             <a:pPr lvl="0"/>
             <a:r>
-              <a:rPr lang="en-US" smtClean="0"/>
+              <a:rPr lang="en-US"/>
               <a:t>Click to edit Master text styles</a:t>
             </a:r>
           </a:p>
           <a:p>
             <a:pPr lvl="1"/>
             <a:r>
-              <a:rPr lang="en-US" smtClean="0"/>
+              <a:rPr lang="en-US"/>
               <a:t>Second level</a:t>
             </a:r>
           </a:p>
           <a:p>
             <a:pPr lvl="2"/>
             <a:r>
-              <a:rPr lang="en-US" smtClean="0"/>
+              <a:rPr lang="en-US"/>
               <a:t>Third level</a:t>
             </a:r>
           </a:p>
           <a:p>
             <a:pPr lvl="3"/>
             <a:r>
-              <a:rPr lang="en-US" smtClean="0"/>
+              <a:rPr lang="en-US"/>
               <a:t>Fourth level</a:t>
             </a:r>
           </a:p>
           <a:p>
             <a:pPr lvl="4"/>
             <a:r>
-              <a:rPr lang="en-US" smtClean="0"/>
+              <a:rPr lang="en-US"/>
               <a:t>Fifth level</a:t>
             </a:r>
             <a:endParaRPr lang="en-IN"/>
@@ -3182,7 +3182,7 @@
           <a:p>
             <a:fld id="{797F2463-A982-4AB9-994A-DD70319C6C4E}" type="datetimeFigureOut">
               <a:rPr lang="en-IN" smtClean="0"/>
-              <a:t>11-12-2021</a:t>
+              <a:t>02/05/22</a:t>
             </a:fld>
             <a:endParaRPr lang="en-IN"/>
           </a:p>
@@ -3603,10 +3603,9 @@
           <a:lstStyle/>
           <a:p>
             <a:r>
-              <a:rPr lang="en-IN" dirty="0" smtClean="0"/>
+              <a:rPr lang="en-IN" dirty="0"/>
               <a:t>Integrity and Authentication</a:t>
             </a:r>
-            <a:endParaRPr lang="en-IN" dirty="0"/>
           </a:p>
         </p:txBody>
       </p:sp>
@@ -3626,10 +3625,9 @@
           <a:lstStyle/>
           <a:p>
             <a:r>
-              <a:rPr lang="en-IN" dirty="0" smtClean="0"/>
+              <a:rPr lang="en-IN" dirty="0"/>
               <a:t>Module3</a:t>
             </a:r>
-            <a:endParaRPr lang="en-IN" dirty="0"/>
           </a:p>
         </p:txBody>
       </p:sp>
@@ -3643,13 +3641,6 @@
   <p:clrMapOvr>
     <a:masterClrMapping/>
   </p:clrMapOvr>
-  <p:timing>
-    <p:tnLst>
-      <p:par>
-        <p:cTn id="1" dur="indefinite" restart="never" nodeType="tmRoot"/>
-      </p:par>
-    </p:tnLst>
-  </p:timing>
 </p:sld>
 </file>
 
@@ -3686,10 +3677,9 @@
           <a:lstStyle/>
           <a:p>
             <a:r>
-              <a:rPr lang="en-IN" dirty="0" smtClean="0"/>
+              <a:rPr lang="en-IN" dirty="0"/>
               <a:t>Cryptographic hash function</a:t>
             </a:r>
-            <a:endParaRPr lang="en-IN" dirty="0"/>
           </a:p>
         </p:txBody>
       </p:sp>
@@ -3776,13 +3766,6 @@
   <p:clrMapOvr>
     <a:masterClrMapping/>
   </p:clrMapOvr>
-  <p:timing>
-    <p:tnLst>
-      <p:par>
-        <p:cTn id="1" dur="indefinite" restart="never" nodeType="tmRoot"/>
-      </p:par>
-    </p:tnLst>
-  </p:timing>
 </p:sld>
 </file>
 
@@ -3820,7 +3803,7 @@
           <a:p>
             <a:pPr eaLnBrk="1" hangingPunct="1"/>
             <a:r>
-              <a:rPr lang="en-US" altLang="en-US" dirty="0" smtClean="0">
+              <a:rPr lang="en-US" altLang="en-US" dirty="0">
                 <a:latin typeface="Calibri" panose="020F0502020204030204" pitchFamily="34" charset="0"/>
               </a:rPr>
               <a:t>Hash Function Applications</a:t>
@@ -3850,7 +3833,7 @@
           <a:p>
             <a:pPr lvl="1" eaLnBrk="1" hangingPunct="1"/>
             <a:r>
-              <a:rPr lang="en-US" altLang="en-US" dirty="0" smtClean="0">
+              <a:rPr lang="en-US" altLang="en-US" dirty="0">
                 <a:latin typeface="Calibri" panose="020F0502020204030204" pitchFamily="34" charset="0"/>
               </a:rPr>
               <a:t>Message Authentication</a:t>
@@ -3859,7 +3842,7 @@
           <a:p>
             <a:pPr lvl="1" eaLnBrk="1" hangingPunct="1"/>
             <a:r>
-              <a:rPr lang="en-US" altLang="en-US" dirty="0" smtClean="0">
+              <a:rPr lang="en-US" altLang="en-US" dirty="0">
                 <a:latin typeface="Calibri" panose="020F0502020204030204" pitchFamily="34" charset="0"/>
               </a:rPr>
               <a:t>Digital Signatures</a:t>
@@ -3868,7 +3851,7 @@
           <a:p>
             <a:pPr lvl="1" eaLnBrk="1" hangingPunct="1"/>
             <a:r>
-              <a:rPr lang="en-US" altLang="en-US" dirty="0" smtClean="0">
+              <a:rPr lang="en-US" altLang="en-US" dirty="0">
                 <a:latin typeface="Calibri" panose="020F0502020204030204" pitchFamily="34" charset="0"/>
               </a:rPr>
               <a:t>One way Password File</a:t>
@@ -3877,7 +3860,7 @@
           <a:p>
             <a:pPr lvl="1" eaLnBrk="1" hangingPunct="1"/>
             <a:r>
-              <a:rPr lang="en-US" altLang="en-US" dirty="0" smtClean="0">
+              <a:rPr lang="en-US" altLang="en-US" dirty="0">
                 <a:latin typeface="Calibri" panose="020F0502020204030204" pitchFamily="34" charset="0"/>
               </a:rPr>
               <a:t>Intrusion Detection and Prevention</a:t>
@@ -3916,13 +3899,6 @@
   <p:transition>
     <p:fade/>
   </p:transition>
-  <p:timing>
-    <p:tnLst>
-      <p:par>
-        <p:cTn id="1" dur="indefinite" restart="never" nodeType="tmRoot"/>
-      </p:par>
-    </p:tnLst>
-  </p:timing>
 </p:sld>
 </file>
 
@@ -3959,10 +3935,9 @@
           <a:lstStyle/>
           <a:p>
             <a:r>
-              <a:rPr lang="en-IN" dirty="0" smtClean="0"/>
+              <a:rPr lang="en-IN" dirty="0"/>
               <a:t>Message Authentication</a:t>
             </a:r>
-            <a:endParaRPr lang="en-IN" dirty="0"/>
           </a:p>
         </p:txBody>
       </p:sp>
@@ -3982,7 +3957,7 @@
           <a:lstStyle/>
           <a:p>
             <a:r>
-              <a:rPr lang="en-US" altLang="en-US" dirty="0" smtClean="0">
+              <a:rPr lang="en-US" altLang="en-US" dirty="0">
                 <a:latin typeface="Calibri" panose="020F0502020204030204" pitchFamily="34" charset="0"/>
               </a:rPr>
               <a:t>Message authentication is a mechanism or service used to verify the integrity of a message.</a:t>
@@ -3990,7 +3965,7 @@
           </a:p>
           <a:p>
             <a:r>
-              <a:rPr lang="en-US" dirty="0" smtClean="0">
+              <a:rPr lang="en-US" dirty="0">
                 <a:latin typeface="Calibri" panose="020F0502020204030204" pitchFamily="34" charset="0"/>
               </a:rPr>
               <a:t>Message Authentication assures that data received are exactly as sent without any modification.</a:t>
@@ -3998,13 +3973,13 @@
           </a:p>
           <a:p>
             <a:r>
-              <a:rPr lang="en-US" dirty="0" smtClean="0">
+              <a:rPr lang="en-US" dirty="0">
                 <a:latin typeface="Calibri" panose="020F0502020204030204" pitchFamily="34" charset="0"/>
               </a:rPr>
               <a:t>When a hash function is used for message authentication, that hash function value is referred as </a:t>
             </a:r>
             <a:r>
-              <a:rPr lang="en-US" dirty="0" smtClean="0">
+              <a:rPr lang="en-US" dirty="0">
                 <a:solidFill>
                   <a:srgbClr val="FF0000"/>
                 </a:solidFill>
@@ -4028,13 +4003,6 @@
   <p:clrMapOvr>
     <a:masterClrMapping/>
   </p:clrMapOvr>
-  <p:timing>
-    <p:tnLst>
-      <p:par>
-        <p:cTn id="1" dur="indefinite" restart="never" nodeType="tmRoot"/>
-      </p:par>
-    </p:tnLst>
-  </p:timing>
 </p:sld>
 </file>
 
@@ -4055,44 +4023,6 @@
           <a:chExt cx="0" cy="0"/>
         </a:xfrm>
       </p:grpSpPr>
-      <p:sp>
-        <p:nvSpPr>
-          <p:cNvPr id="2" name="Title 1"/>
-          <p:cNvSpPr>
-            <a:spLocks noGrp="1"/>
-          </p:cNvSpPr>
-          <p:nvPr>
-            <p:ph type="title"/>
-          </p:nvPr>
-        </p:nvSpPr>
-        <p:spPr/>
-        <p:txBody>
-          <a:bodyPr/>
-          <a:lstStyle/>
-          <a:p>
-            <a:endParaRPr lang="en-IN"/>
-          </a:p>
-        </p:txBody>
-      </p:sp>
-      <p:sp>
-        <p:nvSpPr>
-          <p:cNvPr id="3" name="Content Placeholder 2"/>
-          <p:cNvSpPr>
-            <a:spLocks noGrp="1"/>
-          </p:cNvSpPr>
-          <p:nvPr>
-            <p:ph idx="1"/>
-          </p:nvPr>
-        </p:nvSpPr>
-        <p:spPr/>
-        <p:txBody>
-          <a:bodyPr/>
-          <a:lstStyle/>
-          <a:p>
-            <a:endParaRPr lang="en-IN"/>
-          </a:p>
-        </p:txBody>
-      </p:sp>
       <p:pic>
         <p:nvPicPr>
           <p:cNvPr id="4" name="Picture 3"/>
@@ -4127,13 +4057,6 @@
   <p:clrMapOvr>
     <a:masterClrMapping/>
   </p:clrMapOvr>
-  <p:timing>
-    <p:tnLst>
-      <p:par>
-        <p:cTn id="1" dur="indefinite" restart="never" nodeType="tmRoot"/>
-      </p:par>
-    </p:tnLst>
-  </p:timing>
 </p:sld>
 </file>
 
@@ -4154,44 +4077,6 @@
           <a:chExt cx="0" cy="0"/>
         </a:xfrm>
       </p:grpSpPr>
-      <p:sp>
-        <p:nvSpPr>
-          <p:cNvPr id="2" name="Title 1"/>
-          <p:cNvSpPr>
-            <a:spLocks noGrp="1"/>
-          </p:cNvSpPr>
-          <p:nvPr>
-            <p:ph type="title"/>
-          </p:nvPr>
-        </p:nvSpPr>
-        <p:spPr/>
-        <p:txBody>
-          <a:bodyPr/>
-          <a:lstStyle/>
-          <a:p>
-            <a:endParaRPr lang="en-IN"/>
-          </a:p>
-        </p:txBody>
-      </p:sp>
-      <p:sp>
-        <p:nvSpPr>
-          <p:cNvPr id="3" name="Content Placeholder 2"/>
-          <p:cNvSpPr>
-            <a:spLocks noGrp="1"/>
-          </p:cNvSpPr>
-          <p:nvPr>
-            <p:ph idx="1"/>
-          </p:nvPr>
-        </p:nvSpPr>
-        <p:spPr/>
-        <p:txBody>
-          <a:bodyPr/>
-          <a:lstStyle/>
-          <a:p>
-            <a:endParaRPr lang="en-IN"/>
-          </a:p>
-        </p:txBody>
-      </p:sp>
       <p:pic>
         <p:nvPicPr>
           <p:cNvPr id="4" name="Picture 3"/>
@@ -4226,13 +4111,6 @@
   <p:clrMapOvr>
     <a:masterClrMapping/>
   </p:clrMapOvr>
-  <p:timing>
-    <p:tnLst>
-      <p:par>
-        <p:cTn id="1" dur="indefinite" restart="never" nodeType="tmRoot"/>
-      </p:par>
-    </p:tnLst>
-  </p:timing>
 </p:sld>
 </file>
 
@@ -4253,25 +4131,6 @@
           <a:chExt cx="0" cy="0"/>
         </a:xfrm>
       </p:grpSpPr>
-      <p:sp>
-        <p:nvSpPr>
-          <p:cNvPr id="3" name="Content Placeholder 2"/>
-          <p:cNvSpPr>
-            <a:spLocks noGrp="1"/>
-          </p:cNvSpPr>
-          <p:nvPr>
-            <p:ph idx="1"/>
-          </p:nvPr>
-        </p:nvSpPr>
-        <p:spPr/>
-        <p:txBody>
-          <a:bodyPr/>
-          <a:lstStyle/>
-          <a:p>
-            <a:endParaRPr lang="en-IN" dirty="0"/>
-          </a:p>
-        </p:txBody>
-      </p:sp>
       <p:pic>
         <p:nvPicPr>
           <p:cNvPr id="4" name="Picture 3"/>
@@ -4296,25 +4155,6 @@
           </a:prstGeom>
         </p:spPr>
       </p:pic>
-      <p:sp>
-        <p:nvSpPr>
-          <p:cNvPr id="5" name="Title 4"/>
-          <p:cNvSpPr>
-            <a:spLocks noGrp="1"/>
-          </p:cNvSpPr>
-          <p:nvPr>
-            <p:ph type="title"/>
-          </p:nvPr>
-        </p:nvSpPr>
-        <p:spPr/>
-        <p:txBody>
-          <a:bodyPr/>
-          <a:lstStyle/>
-          <a:p>
-            <a:endParaRPr lang="en-IN"/>
-          </a:p>
-        </p:txBody>
-      </p:sp>
     </p:spTree>
     <p:extLst>
       <p:ext uri="{BB962C8B-B14F-4D97-AF65-F5344CB8AC3E}">
@@ -4325,13 +4165,6 @@
   <p:clrMapOvr>
     <a:masterClrMapping/>
   </p:clrMapOvr>
-  <p:timing>
-    <p:tnLst>
-      <p:par>
-        <p:cTn id="1" dur="indefinite" restart="never" nodeType="tmRoot"/>
-      </p:par>
-    </p:tnLst>
-  </p:timing>
 </p:sld>
 </file>
 
@@ -4352,44 +4185,6 @@
           <a:chExt cx="0" cy="0"/>
         </a:xfrm>
       </p:grpSpPr>
-      <p:sp>
-        <p:nvSpPr>
-          <p:cNvPr id="2" name="Title 1"/>
-          <p:cNvSpPr>
-            <a:spLocks noGrp="1"/>
-          </p:cNvSpPr>
-          <p:nvPr>
-            <p:ph type="title"/>
-          </p:nvPr>
-        </p:nvSpPr>
-        <p:spPr/>
-        <p:txBody>
-          <a:bodyPr/>
-          <a:lstStyle/>
-          <a:p>
-            <a:endParaRPr lang="en-IN"/>
-          </a:p>
-        </p:txBody>
-      </p:sp>
-      <p:sp>
-        <p:nvSpPr>
-          <p:cNvPr id="3" name="Content Placeholder 2"/>
-          <p:cNvSpPr>
-            <a:spLocks noGrp="1"/>
-          </p:cNvSpPr>
-          <p:nvPr>
-            <p:ph idx="1"/>
-          </p:nvPr>
-        </p:nvSpPr>
-        <p:spPr/>
-        <p:txBody>
-          <a:bodyPr/>
-          <a:lstStyle/>
-          <a:p>
-            <a:endParaRPr lang="en-IN"/>
-          </a:p>
-        </p:txBody>
-      </p:sp>
       <p:pic>
         <p:nvPicPr>
           <p:cNvPr id="4" name="Picture 3"/>
@@ -4424,13 +4219,6 @@
   <p:clrMapOvr>
     <a:masterClrMapping/>
   </p:clrMapOvr>
-  <p:timing>
-    <p:tnLst>
-      <p:par>
-        <p:cTn id="1" dur="indefinite" restart="never" nodeType="tmRoot"/>
-      </p:par>
-    </p:tnLst>
-  </p:timing>
 </p:sld>
 </file>
 
@@ -4451,44 +4239,6 @@
           <a:chExt cx="0" cy="0"/>
         </a:xfrm>
       </p:grpSpPr>
-      <p:sp>
-        <p:nvSpPr>
-          <p:cNvPr id="2" name="Title 1"/>
-          <p:cNvSpPr>
-            <a:spLocks noGrp="1"/>
-          </p:cNvSpPr>
-          <p:nvPr>
-            <p:ph type="title"/>
-          </p:nvPr>
-        </p:nvSpPr>
-        <p:spPr/>
-        <p:txBody>
-          <a:bodyPr/>
-          <a:lstStyle/>
-          <a:p>
-            <a:endParaRPr lang="en-IN"/>
-          </a:p>
-        </p:txBody>
-      </p:sp>
-      <p:sp>
-        <p:nvSpPr>
-          <p:cNvPr id="3" name="Content Placeholder 2"/>
-          <p:cNvSpPr>
-            <a:spLocks noGrp="1"/>
-          </p:cNvSpPr>
-          <p:nvPr>
-            <p:ph idx="1"/>
-          </p:nvPr>
-        </p:nvSpPr>
-        <p:spPr/>
-        <p:txBody>
-          <a:bodyPr/>
-          <a:lstStyle/>
-          <a:p>
-            <a:endParaRPr lang="en-IN"/>
-          </a:p>
-        </p:txBody>
-      </p:sp>
       <p:pic>
         <p:nvPicPr>
           <p:cNvPr id="4" name="Picture 3"/>
@@ -4523,13 +4273,6 @@
   <p:clrMapOvr>
     <a:masterClrMapping/>
   </p:clrMapOvr>
-  <p:timing>
-    <p:tnLst>
-      <p:par>
-        <p:cTn id="1" dur="indefinite" restart="never" nodeType="tmRoot"/>
-      </p:par>
-    </p:tnLst>
-  </p:timing>
 </p:sld>
 </file>
 
@@ -4566,7 +4309,7 @@
           <a:lstStyle/>
           <a:p>
             <a:r>
-              <a:rPr lang="en-US" altLang="en-US" smtClean="0">
+              <a:rPr lang="en-US" altLang="en-US">
                 <a:latin typeface="Calibri" panose="020F0502020204030204" pitchFamily="34" charset="0"/>
               </a:rPr>
               <a:t>Password Verification</a:t>
@@ -6865,44 +6608,6 @@
           <a:chExt cx="0" cy="0"/>
         </a:xfrm>
       </p:grpSpPr>
-      <p:sp>
-        <p:nvSpPr>
-          <p:cNvPr id="2" name="Title 1"/>
-          <p:cNvSpPr>
-            <a:spLocks noGrp="1"/>
-          </p:cNvSpPr>
-          <p:nvPr>
-            <p:ph type="title"/>
-          </p:nvPr>
-        </p:nvSpPr>
-        <p:spPr/>
-        <p:txBody>
-          <a:bodyPr/>
-          <a:lstStyle/>
-          <a:p>
-            <a:endParaRPr lang="en-IN"/>
-          </a:p>
-        </p:txBody>
-      </p:sp>
-      <p:sp>
-        <p:nvSpPr>
-          <p:cNvPr id="3" name="Content Placeholder 2"/>
-          <p:cNvSpPr>
-            <a:spLocks noGrp="1"/>
-          </p:cNvSpPr>
-          <p:nvPr>
-            <p:ph idx="1"/>
-          </p:nvPr>
-        </p:nvSpPr>
-        <p:spPr/>
-        <p:txBody>
-          <a:bodyPr/>
-          <a:lstStyle/>
-          <a:p>
-            <a:endParaRPr lang="en-IN"/>
-          </a:p>
-        </p:txBody>
-      </p:sp>
       <p:pic>
         <p:nvPicPr>
           <p:cNvPr id="4" name="Picture 3"/>
@@ -6937,13 +6642,6 @@
   <p:clrMapOvr>
     <a:masterClrMapping/>
   </p:clrMapOvr>
-  <p:timing>
-    <p:tnLst>
-      <p:par>
-        <p:cTn id="1" dur="indefinite" restart="never" nodeType="tmRoot"/>
-      </p:par>
-    </p:tnLst>
-  </p:timing>
 </p:sld>
 </file>
 
@@ -6980,10 +6678,9 @@
           <a:lstStyle/>
           <a:p>
             <a:r>
-              <a:rPr lang="en-IN" dirty="0" smtClean="0"/>
+              <a:rPr lang="en-IN" dirty="0"/>
               <a:t>Hashing- Introduction</a:t>
             </a:r>
-            <a:endParaRPr lang="en-IN" dirty="0"/>
           </a:p>
         </p:txBody>
       </p:sp>
@@ -7003,21 +6700,21 @@
           <a:lstStyle/>
           <a:p>
             <a:r>
-              <a:rPr lang="en-US" dirty="0" smtClean="0"/>
+              <a:rPr lang="en-US" dirty="0"/>
               <a:t>Hashing is a mathematical algorithm that converts plaintext to a unique text string or a </a:t>
             </a:r>
             <a:r>
-              <a:rPr lang="en-US" dirty="0" err="1" smtClean="0"/>
+              <a:rPr lang="en-US" dirty="0" err="1"/>
               <a:t>ciphertext</a:t>
             </a:r>
             <a:r>
-              <a:rPr lang="en-US" dirty="0" smtClean="0"/>
+              <a:rPr lang="en-US" dirty="0"/>
               <a:t>.</a:t>
             </a:r>
           </a:p>
           <a:p>
             <a:r>
-              <a:rPr lang="en-US" dirty="0" smtClean="0"/>
+              <a:rPr lang="en-US" dirty="0"/>
               <a:t>Example</a:t>
             </a:r>
           </a:p>
@@ -7029,7 +6726,7 @@
             </a:r>
           </a:p>
           <a:p>
-            <a:endParaRPr lang="en-US" dirty="0" smtClean="0"/>
+            <a:endParaRPr lang="en-US" dirty="0"/>
           </a:p>
           <a:p>
             <a:pPr marL="457200" lvl="1" indent="0">
@@ -7037,27 +6734,15 @@
             </a:pPr>
             <a:r>
               <a:rPr lang="en-US" dirty="0"/>
-              <a:t>	</a:t>
-            </a:r>
-            <a:r>
-              <a:rPr lang="en-US" dirty="0" smtClean="0"/>
-              <a:t>	</a:t>
-            </a:r>
-            <a:r>
-              <a:rPr lang="en-US" dirty="0" smtClean="0">
+              <a:t>		</a:t>
+            </a:r>
+            <a:r>
+              <a:rPr lang="en-US" dirty="0">
                 <a:solidFill>
                   <a:srgbClr val="FF0000"/>
                 </a:solidFill>
               </a:rPr>
               <a:t>Daniel = FO8230hRq5K4g7nA</a:t>
-            </a:r>
-            <a:r>
-              <a:rPr lang="en-US" dirty="0">
-                <a:solidFill>
-                  <a:srgbClr val="FF0000"/>
-                </a:solidFill>
-              </a:rPr>
-              <a:t/>
             </a:r>
             <a:br>
               <a:rPr lang="en-US" dirty="0">
@@ -7084,13 +6769,6 @@
   <p:clrMapOvr>
     <a:masterClrMapping/>
   </p:clrMapOvr>
-  <p:timing>
-    <p:tnLst>
-      <p:par>
-        <p:cTn id="1" dur="indefinite" restart="never" nodeType="tmRoot"/>
-      </p:par>
-    </p:tnLst>
-  </p:timing>
 </p:sld>
 </file>
 
@@ -7183,13 +6861,6 @@
   <p:clrMapOvr>
     <a:masterClrMapping/>
   </p:clrMapOvr>
-  <p:timing>
-    <p:tnLst>
-      <p:par>
-        <p:cTn id="1" dur="indefinite" restart="never" nodeType="tmRoot"/>
-      </p:par>
-    </p:tnLst>
-  </p:timing>
 </p:sld>
 </file>
 
@@ -7282,13 +6953,6 @@
   <p:clrMapOvr>
     <a:masterClrMapping/>
   </p:clrMapOvr>
-  <p:timing>
-    <p:tnLst>
-      <p:par>
-        <p:cTn id="1" dur="indefinite" restart="never" nodeType="tmRoot"/>
-      </p:par>
-    </p:tnLst>
-  </p:timing>
 </p:sld>
 </file>
 
@@ -7325,10 +6989,9 @@
           <a:lstStyle/>
           <a:p>
             <a:r>
-              <a:rPr lang="en-IN" dirty="0" smtClean="0"/>
+              <a:rPr lang="en-IN" dirty="0"/>
               <a:t>What is hashing?</a:t>
             </a:r>
-            <a:endParaRPr lang="en-IN" dirty="0"/>
           </a:p>
         </p:txBody>
       </p:sp>
@@ -7349,29 +7012,29 @@
           <a:p>
             <a:pPr algn="just"/>
             <a:r>
-              <a:rPr lang="en-US" dirty="0" smtClean="0"/>
+              <a:rPr lang="en-US" dirty="0"/>
               <a:t>A hash value is the output of plaintext or </a:t>
             </a:r>
             <a:r>
-              <a:rPr lang="en-US" dirty="0" err="1" smtClean="0"/>
+              <a:rPr lang="en-US" dirty="0" err="1"/>
               <a:t>ciphertext</a:t>
             </a:r>
             <a:r>
-              <a:rPr lang="en-US" dirty="0" smtClean="0"/>
+              <a:rPr lang="en-US" dirty="0"/>
               <a:t>.</a:t>
             </a:r>
           </a:p>
           <a:p>
             <a:pPr algn="just"/>
             <a:r>
-              <a:rPr lang="en-US" dirty="0" smtClean="0"/>
+              <a:rPr lang="en-US" dirty="0"/>
               <a:t>Hashing is a cryptographic technique that transforms any form of data into a special text string.</a:t>
             </a:r>
           </a:p>
           <a:p>
             <a:pPr algn="just"/>
             <a:r>
-              <a:rPr lang="en-US" dirty="0" smtClean="0"/>
+              <a:rPr lang="en-US" dirty="0"/>
               <a:t>For any given input, there is a deterministic output. When you put a plaintext into a hashing algorithm in simpler terms, you get the same outcome. Suppose you change anything about the input or the plaintext to the hashing algorithm. The hashing output also becomes different.</a:t>
             </a:r>
             <a:endParaRPr lang="en-IN" dirty="0"/>
@@ -7388,13 +7051,6 @@
   <p:clrMapOvr>
     <a:masterClrMapping/>
   </p:clrMapOvr>
-  <p:timing>
-    <p:tnLst>
-      <p:par>
-        <p:cTn id="1" dur="indefinite" restart="never" nodeType="tmRoot"/>
-      </p:par>
-    </p:tnLst>
-  </p:timing>
 </p:sld>
 </file>
 
@@ -7417,25 +7073,6 @@
       </p:grpSpPr>
       <p:sp>
         <p:nvSpPr>
-          <p:cNvPr id="2" name="Title 1"/>
-          <p:cNvSpPr>
-            <a:spLocks noGrp="1"/>
-          </p:cNvSpPr>
-          <p:nvPr>
-            <p:ph type="title"/>
-          </p:nvPr>
-        </p:nvSpPr>
-        <p:spPr/>
-        <p:txBody>
-          <a:bodyPr/>
-          <a:lstStyle/>
-          <a:p>
-            <a:endParaRPr lang="en-IN"/>
-          </a:p>
-        </p:txBody>
-      </p:sp>
-      <p:sp>
-        <p:nvSpPr>
           <p:cNvPr id="3" name="Content Placeholder 2"/>
           <p:cNvSpPr>
             <a:spLocks noGrp="1"/>
@@ -7450,37 +7087,33 @@
           <a:lstStyle/>
           <a:p>
             <a:r>
-              <a:rPr lang="en-US" dirty="0" smtClean="0"/>
+              <a:rPr lang="en-US" dirty="0"/>
               <a:t>Hashing works by converting a readable text into an unreadable text of secure data.</a:t>
             </a:r>
           </a:p>
           <a:p>
             <a:r>
-              <a:rPr lang="en-US" dirty="0" smtClean="0"/>
+              <a:rPr lang="en-US" dirty="0"/>
               <a:t>Hashing is efficiently executed but extremely difficult to reverse.</a:t>
             </a:r>
           </a:p>
           <a:p>
             <a:r>
               <a:rPr lang="en-US" dirty="0"/>
-              <a:t>H</a:t>
-            </a:r>
-            <a:r>
-              <a:rPr lang="en-US" dirty="0" smtClean="0"/>
-              <a:t>ashing and Encryption are often mistaken. Encryption is a two-way function. The plaintext can be encrypted into </a:t>
-            </a:r>
-            <a:r>
-              <a:rPr lang="en-US" dirty="0" err="1" smtClean="0"/>
+              <a:t>Hashing and Encryption are often mistaken. Encryption is a two-way function. The plaintext can be encrypted into </a:t>
+            </a:r>
+            <a:r>
+              <a:rPr lang="en-US" dirty="0" err="1"/>
               <a:t>ciphertext</a:t>
             </a:r>
             <a:r>
-              <a:rPr lang="en-US" dirty="0" smtClean="0"/>
+              <a:rPr lang="en-US" dirty="0"/>
               <a:t> and decrypted back into plaintext using a unique key. </a:t>
             </a:r>
           </a:p>
           <a:p>
             <a:r>
-              <a:rPr lang="en-US" dirty="0" smtClean="0"/>
+              <a:rPr lang="en-US" dirty="0"/>
               <a:t>The difference between encryption and hashing is that encryption is reversible while hashing is irreversible.</a:t>
             </a:r>
             <a:endParaRPr lang="en-IN" dirty="0"/>
@@ -7497,13 +7130,6 @@
   <p:clrMapOvr>
     <a:masterClrMapping/>
   </p:clrMapOvr>
-  <p:timing>
-    <p:tnLst>
-      <p:par>
-        <p:cTn id="1" dur="indefinite" restart="never" nodeType="tmRoot"/>
-      </p:par>
-    </p:tnLst>
-  </p:timing>
 </p:sld>
 </file>
 
@@ -7526,25 +7152,6 @@
       </p:grpSpPr>
       <p:sp>
         <p:nvSpPr>
-          <p:cNvPr id="2" name="Title 1"/>
-          <p:cNvSpPr>
-            <a:spLocks noGrp="1"/>
-          </p:cNvSpPr>
-          <p:nvPr>
-            <p:ph type="title"/>
-          </p:nvPr>
-        </p:nvSpPr>
-        <p:spPr/>
-        <p:txBody>
-          <a:bodyPr/>
-          <a:lstStyle/>
-          <a:p>
-            <a:endParaRPr lang="en-IN"/>
-          </a:p>
-        </p:txBody>
-      </p:sp>
-      <p:sp>
-        <p:nvSpPr>
           <p:cNvPr id="3" name="Content Placeholder 2"/>
           <p:cNvSpPr>
             <a:spLocks noGrp="1"/>
@@ -7559,13 +7166,13 @@
           <a:lstStyle/>
           <a:p>
             <a:r>
-              <a:rPr lang="en-US" dirty="0" smtClean="0"/>
+              <a:rPr lang="en-US" dirty="0"/>
               <a:t>For example:</a:t>
             </a:r>
           </a:p>
           <a:p>
             <a:r>
-              <a:rPr lang="en-US" dirty="0" smtClean="0"/>
+              <a:rPr lang="en-US" dirty="0"/>
               <a:t>In the bank, when you apply for a credit card. You create a password to help you access your account. The bank system does not save your password. The bank system runs the password through a hashing algorithm. It then saves the hash as your password. Every time you attempt to log in to your account. The bank system compares the password you enter with the hash it has saved. Only when the two-match, do you get authorization to access your bank account.</a:t>
             </a:r>
             <a:endParaRPr lang="en-IN" dirty="0"/>
@@ -7582,13 +7189,6 @@
   <p:clrMapOvr>
     <a:masterClrMapping/>
   </p:clrMapOvr>
-  <p:timing>
-    <p:tnLst>
-      <p:par>
-        <p:cTn id="1" dur="indefinite" restart="never" nodeType="tmRoot"/>
-      </p:par>
-    </p:tnLst>
-  </p:timing>
 </p:sld>
 </file>
 
@@ -7609,44 +7209,6 @@
           <a:chExt cx="0" cy="0"/>
         </a:xfrm>
       </p:grpSpPr>
-      <p:sp>
-        <p:nvSpPr>
-          <p:cNvPr id="2" name="Title 1"/>
-          <p:cNvSpPr>
-            <a:spLocks noGrp="1"/>
-          </p:cNvSpPr>
-          <p:nvPr>
-            <p:ph type="title"/>
-          </p:nvPr>
-        </p:nvSpPr>
-        <p:spPr/>
-        <p:txBody>
-          <a:bodyPr/>
-          <a:lstStyle/>
-          <a:p>
-            <a:endParaRPr lang="en-IN"/>
-          </a:p>
-        </p:txBody>
-      </p:sp>
-      <p:sp>
-        <p:nvSpPr>
-          <p:cNvPr id="3" name="Content Placeholder 2"/>
-          <p:cNvSpPr>
-            <a:spLocks noGrp="1"/>
-          </p:cNvSpPr>
-          <p:nvPr>
-            <p:ph idx="1"/>
-          </p:nvPr>
-        </p:nvSpPr>
-        <p:spPr/>
-        <p:txBody>
-          <a:bodyPr/>
-          <a:lstStyle/>
-          <a:p>
-            <a:endParaRPr lang="en-IN"/>
-          </a:p>
-        </p:txBody>
-      </p:sp>
       <p:pic>
         <p:nvPicPr>
           <p:cNvPr id="4" name="Picture 3"/>
@@ -7681,13 +7243,6 @@
   <p:clrMapOvr>
     <a:masterClrMapping/>
   </p:clrMapOvr>
-  <p:timing>
-    <p:tnLst>
-      <p:par>
-        <p:cTn id="1" dur="indefinite" restart="never" nodeType="tmRoot"/>
-      </p:par>
-    </p:tnLst>
-  </p:timing>
 </p:sld>
 </file>
 
@@ -7708,44 +7263,6 @@
           <a:chExt cx="0" cy="0"/>
         </a:xfrm>
       </p:grpSpPr>
-      <p:sp>
-        <p:nvSpPr>
-          <p:cNvPr id="2" name="Title 1"/>
-          <p:cNvSpPr>
-            <a:spLocks noGrp="1"/>
-          </p:cNvSpPr>
-          <p:nvPr>
-            <p:ph type="title"/>
-          </p:nvPr>
-        </p:nvSpPr>
-        <p:spPr/>
-        <p:txBody>
-          <a:bodyPr/>
-          <a:lstStyle/>
-          <a:p>
-            <a:endParaRPr lang="en-IN"/>
-          </a:p>
-        </p:txBody>
-      </p:sp>
-      <p:sp>
-        <p:nvSpPr>
-          <p:cNvPr id="3" name="Content Placeholder 2"/>
-          <p:cNvSpPr>
-            <a:spLocks noGrp="1"/>
-          </p:cNvSpPr>
-          <p:nvPr>
-            <p:ph idx="1"/>
-          </p:nvPr>
-        </p:nvSpPr>
-        <p:spPr/>
-        <p:txBody>
-          <a:bodyPr/>
-          <a:lstStyle/>
-          <a:p>
-            <a:endParaRPr lang="en-IN"/>
-          </a:p>
-        </p:txBody>
-      </p:sp>
       <p:pic>
         <p:nvPicPr>
           <p:cNvPr id="4" name="Picture 3"/>
@@ -7780,13 +7297,6 @@
   <p:clrMapOvr>
     <a:masterClrMapping/>
   </p:clrMapOvr>
-  <p:timing>
-    <p:tnLst>
-      <p:par>
-        <p:cTn id="1" dur="indefinite" restart="never" nodeType="tmRoot"/>
-      </p:par>
-    </p:tnLst>
-  </p:timing>
 </p:sld>
 </file>
 
@@ -7920,7 +7430,7 @@
           <a:p>
             <a:pPr eaLnBrk="1" hangingPunct="1"/>
             <a:r>
-              <a:rPr lang="en-US" altLang="en-US" smtClean="0">
+              <a:rPr lang="en-US" altLang="en-US">
                 <a:latin typeface="Calibri" panose="020F0502020204030204" pitchFamily="34" charset="0"/>
               </a:rPr>
               <a:t>Hashing V.S. Encryption</a:t>
@@ -9560,11 +9070,11 @@
           <a:lstStyle/>
           <a:p>
             <a:r>
-              <a:rPr lang="en-US" dirty="0" smtClean="0"/>
+              <a:rPr lang="en-US" dirty="0"/>
               <a:t>A hash function H accepts a variable-length block of data M as input and produces a fixed-size hash value </a:t>
             </a:r>
             <a:r>
-              <a:rPr lang="en-US" dirty="0" smtClean="0">
+              <a:rPr lang="en-US" dirty="0">
                 <a:solidFill>
                   <a:srgbClr val="FF0000"/>
                 </a:solidFill>
@@ -9572,20 +9082,20 @@
               <a:t>h = H(M)</a:t>
             </a:r>
             <a:r>
-              <a:rPr lang="en-US" dirty="0" smtClean="0"/>
+              <a:rPr lang="en-US" dirty="0"/>
               <a:t>. </a:t>
             </a:r>
           </a:p>
           <a:p>
-            <a:endParaRPr lang="en-US" dirty="0" smtClean="0"/>
-          </a:p>
-          <a:p>
-            <a:r>
-              <a:rPr lang="en-US" dirty="0" smtClean="0"/>
+            <a:endParaRPr lang="en-US" dirty="0"/>
+          </a:p>
+          <a:p>
+            <a:r>
+              <a:rPr lang="en-US" dirty="0"/>
               <a:t>A "good" hash function has the property that the results of applying the function to a large set of inputs will produce outputs that are </a:t>
             </a:r>
             <a:r>
-              <a:rPr lang="en-US" dirty="0" smtClean="0">
+              <a:rPr lang="en-US" dirty="0">
                 <a:solidFill>
                   <a:srgbClr val="0070C0"/>
                 </a:solidFill>
@@ -9594,7 +9104,7 @@
             </a:r>
           </a:p>
           <a:p>
-            <a:endParaRPr lang="en-US" dirty="0" smtClean="0">
+            <a:endParaRPr lang="en-US" dirty="0">
               <a:solidFill>
                 <a:srgbClr val="0070C0"/>
               </a:solidFill>
@@ -9602,11 +9112,11 @@
           </a:p>
           <a:p>
             <a:r>
-              <a:rPr lang="en-US" dirty="0" smtClean="0"/>
+              <a:rPr lang="en-US" dirty="0"/>
               <a:t>In general terms, the principal object of a hash function is </a:t>
             </a:r>
             <a:r>
-              <a:rPr lang="en-US" dirty="0" smtClean="0">
+              <a:rPr lang="en-US" dirty="0">
                 <a:solidFill>
                   <a:srgbClr val="0070C0"/>
                 </a:solidFill>
@@ -9614,7 +9124,7 @@
               <a:t>data integrity</a:t>
             </a:r>
             <a:r>
-              <a:rPr lang="en-US" dirty="0" smtClean="0"/>
+              <a:rPr lang="en-US" dirty="0"/>
               <a:t>. A change to any bit or bits in M results, with high probability, in a change to the hash code. </a:t>
             </a:r>
           </a:p>
@@ -9636,13 +9146,6 @@
   <p:clrMapOvr>
     <a:masterClrMapping/>
   </p:clrMapOvr>
-  <p:timing>
-    <p:tnLst>
-      <p:par>
-        <p:cTn id="1" dur="indefinite" restart="never" nodeType="tmRoot"/>
-      </p:par>
-    </p:tnLst>
-  </p:timing>
 </p:sld>
 </file>
 
